--- a/src/site/discrete2021/slides/week03-chapter02_6.pptx
+++ b/src/site/discrete2021/slides/week03-chapter02_6.pptx
@@ -215,7 +215,7 @@
           <a:p>
             <a:fld id="{21C6C08E-8AD4-46C5-BAC9-3D04C6463705}" type="datetimeFigureOut">
               <a:rPr lang="lv-LV" smtClean="0"/>
-              <a:t>18.01.2021</a:t>
+              <a:t>26.01.2021</a:t>
             </a:fld>
             <a:endParaRPr lang="lv-LV"/>
           </a:p>
@@ -524,6 +524,90 @@
         </p:nvSpPr>
         <p:spPr/>
         <p:txBody>
+          <a:bodyPr/>
+          <a:lstStyle/>
+          <a:p>
+            <a:endParaRPr lang="lv-LV" dirty="0"/>
+          </a:p>
+        </p:txBody>
+      </p:sp>
+      <p:sp>
+        <p:nvSpPr>
+          <p:cNvPr id="4" name="Slide Number Placeholder 3"/>
+          <p:cNvSpPr>
+            <a:spLocks noGrp="1"/>
+          </p:cNvSpPr>
+          <p:nvPr>
+            <p:ph type="sldNum" sz="quarter" idx="10"/>
+          </p:nvPr>
+        </p:nvSpPr>
+        <p:spPr/>
+        <p:txBody>
+          <a:bodyPr/>
+          <a:lstStyle/>
+          <a:p>
+            <a:fld id="{5C566039-0D76-41FD-AC12-640C7F3A8E52}" type="slidenum">
+              <a:rPr lang="lv-LV" smtClean="0"/>
+              <a:t>10</a:t>
+            </a:fld>
+            <a:endParaRPr lang="lv-LV"/>
+          </a:p>
+        </p:txBody>
+      </p:sp>
+    </p:spTree>
+    <p:extLst>
+      <p:ext uri="{BB962C8B-B14F-4D97-AF65-F5344CB8AC3E}">
+        <p14:creationId xmlns:p14="http://schemas.microsoft.com/office/powerpoint/2010/main" val="1814492612"/>
+      </p:ext>
+    </p:extLst>
+  </p:cSld>
+  <p:clrMapOvr>
+    <a:masterClrMapping/>
+  </p:clrMapOvr>
+</p:notes>
+</file>
+
+<file path=ppt/notesSlides/notesSlide2.xml><?xml version="1.0" encoding="utf-8"?>
+<p:notes xmlns:a="http://schemas.openxmlformats.org/drawingml/2006/main" xmlns:r="http://schemas.openxmlformats.org/officeDocument/2006/relationships" xmlns:p="http://schemas.openxmlformats.org/presentationml/2006/main">
+  <p:cSld>
+    <p:spTree>
+      <p:nvGrpSpPr>
+        <p:cNvPr id="1" name=""/>
+        <p:cNvGrpSpPr/>
+        <p:nvPr/>
+      </p:nvGrpSpPr>
+      <p:grpSpPr>
+        <a:xfrm>
+          <a:off x="0" y="0"/>
+          <a:ext cx="0" cy="0"/>
+          <a:chOff x="0" y="0"/>
+          <a:chExt cx="0" cy="0"/>
+        </a:xfrm>
+      </p:grpSpPr>
+      <p:sp>
+        <p:nvSpPr>
+          <p:cNvPr id="2" name="Slide Image Placeholder 1"/>
+          <p:cNvSpPr>
+            <a:spLocks noGrp="1" noRot="1" noChangeAspect="1"/>
+          </p:cNvSpPr>
+          <p:nvPr>
+            <p:ph type="sldImg"/>
+          </p:nvPr>
+        </p:nvSpPr>
+        <p:spPr/>
+      </p:sp>
+      <p:sp>
+        <p:nvSpPr>
+          <p:cNvPr id="3" name="Notes Placeholder 2"/>
+          <p:cNvSpPr>
+            <a:spLocks noGrp="1"/>
+          </p:cNvSpPr>
+          <p:nvPr>
+            <p:ph type="body" idx="1"/>
+          </p:nvPr>
+        </p:nvSpPr>
+        <p:spPr/>
+        <p:txBody>
           <a:bodyPr>
             <a:normAutofit/>
           </a:bodyPr>
@@ -701,7 +785,7 @@
           <a:p>
             <a:fld id="{5ADEB7B1-3A76-4692-AABD-C23989DC5F71}" type="datetimeFigureOut">
               <a:rPr lang="lv-LV" smtClean="0"/>
-              <a:t>18.01.2021</a:t>
+              <a:t>26.01.2021</a:t>
             </a:fld>
             <a:endParaRPr lang="lv-LV"/>
           </a:p>
@@ -871,7 +955,7 @@
           <a:p>
             <a:fld id="{5ADEB7B1-3A76-4692-AABD-C23989DC5F71}" type="datetimeFigureOut">
               <a:rPr lang="lv-LV" smtClean="0"/>
-              <a:t>18.01.2021</a:t>
+              <a:t>26.01.2021</a:t>
             </a:fld>
             <a:endParaRPr lang="lv-LV"/>
           </a:p>
@@ -1051,7 +1135,7 @@
           <a:p>
             <a:fld id="{5ADEB7B1-3A76-4692-AABD-C23989DC5F71}" type="datetimeFigureOut">
               <a:rPr lang="lv-LV" smtClean="0"/>
-              <a:t>18.01.2021</a:t>
+              <a:t>26.01.2021</a:t>
             </a:fld>
             <a:endParaRPr lang="lv-LV"/>
           </a:p>
@@ -1221,7 +1305,7 @@
           <a:p>
             <a:fld id="{5ADEB7B1-3A76-4692-AABD-C23989DC5F71}" type="datetimeFigureOut">
               <a:rPr lang="lv-LV" smtClean="0"/>
-              <a:t>18.01.2021</a:t>
+              <a:t>26.01.2021</a:t>
             </a:fld>
             <a:endParaRPr lang="lv-LV"/>
           </a:p>
@@ -1467,7 +1551,7 @@
           <a:p>
             <a:fld id="{5ADEB7B1-3A76-4692-AABD-C23989DC5F71}" type="datetimeFigureOut">
               <a:rPr lang="lv-LV" smtClean="0"/>
-              <a:t>18.01.2021</a:t>
+              <a:t>26.01.2021</a:t>
             </a:fld>
             <a:endParaRPr lang="lv-LV"/>
           </a:p>
@@ -1699,7 +1783,7 @@
           <a:p>
             <a:fld id="{5ADEB7B1-3A76-4692-AABD-C23989DC5F71}" type="datetimeFigureOut">
               <a:rPr lang="lv-LV" smtClean="0"/>
-              <a:t>18.01.2021</a:t>
+              <a:t>26.01.2021</a:t>
             </a:fld>
             <a:endParaRPr lang="lv-LV"/>
           </a:p>
@@ -2066,7 +2150,7 @@
           <a:p>
             <a:fld id="{5ADEB7B1-3A76-4692-AABD-C23989DC5F71}" type="datetimeFigureOut">
               <a:rPr lang="lv-LV" smtClean="0"/>
-              <a:t>18.01.2021</a:t>
+              <a:t>26.01.2021</a:t>
             </a:fld>
             <a:endParaRPr lang="lv-LV"/>
           </a:p>
@@ -2184,7 +2268,7 @@
           <a:p>
             <a:fld id="{5ADEB7B1-3A76-4692-AABD-C23989DC5F71}" type="datetimeFigureOut">
               <a:rPr lang="lv-LV" smtClean="0"/>
-              <a:t>18.01.2021</a:t>
+              <a:t>26.01.2021</a:t>
             </a:fld>
             <a:endParaRPr lang="lv-LV"/>
           </a:p>
@@ -2279,7 +2363,7 @@
           <a:p>
             <a:fld id="{5ADEB7B1-3A76-4692-AABD-C23989DC5F71}" type="datetimeFigureOut">
               <a:rPr lang="lv-LV" smtClean="0"/>
-              <a:t>18.01.2021</a:t>
+              <a:t>26.01.2021</a:t>
             </a:fld>
             <a:endParaRPr lang="lv-LV"/>
           </a:p>
@@ -2556,7 +2640,7 @@
           <a:p>
             <a:fld id="{5ADEB7B1-3A76-4692-AABD-C23989DC5F71}" type="datetimeFigureOut">
               <a:rPr lang="lv-LV" smtClean="0"/>
-              <a:t>18.01.2021</a:t>
+              <a:t>26.01.2021</a:t>
             </a:fld>
             <a:endParaRPr lang="lv-LV"/>
           </a:p>
@@ -2809,7 +2893,7 @@
           <a:p>
             <a:fld id="{5ADEB7B1-3A76-4692-AABD-C23989DC5F71}" type="datetimeFigureOut">
               <a:rPr lang="lv-LV" smtClean="0"/>
-              <a:t>18.01.2021</a:t>
+              <a:t>26.01.2021</a:t>
             </a:fld>
             <a:endParaRPr lang="lv-LV"/>
           </a:p>
@@ -3022,7 +3106,7 @@
           <a:p>
             <a:fld id="{5ADEB7B1-3A76-4692-AABD-C23989DC5F71}" type="datetimeFigureOut">
               <a:rPr lang="lv-LV" smtClean="0"/>
-              <a:t>18.01.2021</a:t>
+              <a:t>26.01.2021</a:t>
             </a:fld>
             <a:endParaRPr lang="lv-LV"/>
           </a:p>
@@ -4084,7 +4168,7 @@
           </p:nvPr>
         </p:nvPicPr>
         <p:blipFill>
-          <a:blip r:embed="rId5" cstate="print"/>
+          <a:blip r:embed="rId6" cstate="print"/>
           <a:stretch>
             <a:fillRect/>
           </a:stretch>
@@ -4107,7 +4191,7 @@
         </p:nvSpPr>
         <p:spPr>
           <a:xfrm rot="16200000">
-            <a:off x="5562600" y="5486400"/>
+            <a:off x="4482947" y="5664200"/>
             <a:ext cx="381000" cy="1295400"/>
           </a:xfrm>
           <a:prstGeom prst="leftBrace">
@@ -4153,7 +4237,7 @@
         </p:nvSpPr>
         <p:spPr>
           <a:xfrm>
-            <a:off x="5029200" y="6324600"/>
+            <a:off x="3949547" y="6502400"/>
             <a:ext cx="1371600" cy="369332"/>
           </a:xfrm>
           <a:prstGeom prst="rect">
@@ -4187,14 +4271,14 @@
           </p:nvPr>
         </p:nvPicPr>
         <p:blipFill>
-          <a:blip r:embed="rId6" cstate="print"/>
+          <a:blip r:embed="rId7" cstate="print"/>
           <a:stretch>
             <a:fillRect/>
           </a:stretch>
         </p:blipFill>
         <p:spPr>
           <a:xfrm>
-            <a:off x="9525001" y="2133600"/>
+            <a:off x="8401595" y="1989909"/>
             <a:ext cx="154781" cy="152400"/>
           </a:xfrm>
           <a:prstGeom prst="rect">
@@ -4215,14 +4299,14 @@
           </p:nvPr>
         </p:nvPicPr>
         <p:blipFill>
-          <a:blip r:embed="rId6" cstate="print"/>
+          <a:blip r:embed="rId7" cstate="print"/>
           <a:stretch>
             <a:fillRect/>
           </a:stretch>
         </p:blipFill>
         <p:spPr>
           <a:xfrm>
-            <a:off x="8077201" y="3962400"/>
+            <a:off x="7350088" y="3940366"/>
             <a:ext cx="154781" cy="152400"/>
           </a:xfrm>
           <a:prstGeom prst="rect">
@@ -4762,7 +4846,7 @@
         </p:blipFill>
         <p:spPr>
           <a:xfrm>
-            <a:off x="7696201" y="2590800"/>
+            <a:off x="4468259" y="2403513"/>
             <a:ext cx="154781" cy="152400"/>
           </a:xfrm>
           <a:prstGeom prst="rect">
@@ -4790,7 +4874,7 @@
         </p:blipFill>
         <p:spPr>
           <a:xfrm>
-            <a:off x="7162801" y="2133600"/>
+            <a:off x="5785692" y="2023432"/>
             <a:ext cx="154781" cy="152400"/>
           </a:xfrm>
           <a:prstGeom prst="rect">
@@ -5178,15 +5262,39 @@
                 <a:ea typeface="Cambria Math" pitchFamily="18" charset="0"/>
                 <a:sym typeface="Symbol"/>
               </a:rPr>
-              <a:t>    Square</a:t>
-            </a:r>
-            <a:r>
-              <a:rPr lang="en-US" dirty="0" smtClean="0">
-                <a:latin typeface="Cambria Math" pitchFamily="18" charset="0"/>
-                <a:ea typeface="Cambria Math" pitchFamily="18" charset="0"/>
-                <a:sym typeface="Symbol"/>
-              </a:rPr>
-              <a:t>  matrices do not change when their rows and columns are interchanged.</a:t>
+              <a:t>   </a:t>
+            </a:r>
+            <a:endParaRPr lang="en-US" dirty="0" smtClean="0">
+              <a:ea typeface="Cambria Math" pitchFamily="18" charset="0"/>
+              <a:sym typeface="Symbol"/>
+            </a:endParaRPr>
+          </a:p>
+          <a:p>
+            <a:pPr>
+              <a:buNone/>
+            </a:pPr>
+            <a:r>
+              <a:rPr lang="en-US" dirty="0" smtClean="0">
+                <a:ea typeface="Cambria Math" pitchFamily="18" charset="0"/>
+                <a:sym typeface="Symbol"/>
+              </a:rPr>
+              <a:t>Square</a:t>
+            </a:r>
+            <a:r>
+              <a:rPr lang="en-US" dirty="0" smtClean="0">
+                <a:latin typeface="Cambria Math" pitchFamily="18" charset="0"/>
+                <a:ea typeface="Cambria Math" pitchFamily="18" charset="0"/>
+                <a:sym typeface="Symbol"/>
+              </a:rPr>
+              <a:t>  </a:t>
+            </a:r>
+            <a:r>
+              <a:rPr lang="en-US" dirty="0" smtClean="0">
+                <a:latin typeface="Cambria Math" pitchFamily="18" charset="0"/>
+                <a:ea typeface="Cambria Math" pitchFamily="18" charset="0"/>
+                <a:sym typeface="Symbol"/>
+              </a:rPr>
+              <a:t>matrices do not change when their rows and columns are interchanged.</a:t>
             </a:r>
             <a:endParaRPr lang="en-US" dirty="0" smtClean="0">
               <a:latin typeface="Cambria Math"/>
@@ -7203,7 +7311,7 @@
         </p:blipFill>
         <p:spPr>
           <a:xfrm>
-            <a:off x="7239001" y="2133600"/>
+            <a:off x="5866209" y="1990898"/>
             <a:ext cx="154781" cy="152400"/>
           </a:xfrm>
           <a:prstGeom prst="rect">
@@ -7231,7 +7339,7 @@
         </p:blipFill>
         <p:spPr>
           <a:xfrm>
-            <a:off x="6248401" y="2590800"/>
+            <a:off x="1434030" y="2348429"/>
             <a:ext cx="154781" cy="152400"/>
           </a:xfrm>
           <a:prstGeom prst="rect">
@@ -7259,7 +7367,7 @@
         </p:blipFill>
         <p:spPr>
           <a:xfrm>
-            <a:off x="2667001" y="3352800"/>
+            <a:off x="3239878" y="2779923"/>
             <a:ext cx="154781" cy="152400"/>
           </a:xfrm>
           <a:prstGeom prst="rect">
@@ -8651,7 +8759,7 @@
         </p:blipFill>
         <p:spPr>
           <a:xfrm>
-            <a:off x="4038601" y="2895600"/>
+            <a:off x="6559732" y="2346960"/>
             <a:ext cx="154781" cy="152400"/>
           </a:xfrm>
           <a:prstGeom prst="rect">
@@ -9195,7 +9303,7 @@
         </p:blipFill>
         <p:spPr>
           <a:xfrm>
-            <a:off x="3352801" y="2362201"/>
+            <a:off x="6540341" y="1791970"/>
             <a:ext cx="2668905" cy="1140143"/>
           </a:xfrm>
           <a:prstGeom prst="rect">
@@ -9251,7 +9359,7 @@
         </p:blipFill>
         <p:spPr>
           <a:xfrm>
-            <a:off x="5562601" y="3657600"/>
+            <a:off x="4491107" y="3484881"/>
             <a:ext cx="154781" cy="152400"/>
           </a:xfrm>
           <a:prstGeom prst="rect">
@@ -9279,7 +9387,7 @@
         </p:blipFill>
         <p:spPr>
           <a:xfrm>
-            <a:off x="5105401" y="4038600"/>
+            <a:off x="2074818" y="3835831"/>
             <a:ext cx="154781" cy="152400"/>
           </a:xfrm>
           <a:prstGeom prst="rect">
@@ -10500,7 +10608,7 @@
         </p:blipFill>
         <p:spPr>
           <a:xfrm>
-            <a:off x="5943601" y="2057400"/>
+            <a:off x="4467498" y="1953577"/>
             <a:ext cx="154781" cy="152400"/>
           </a:xfrm>
           <a:prstGeom prst="rect">
@@ -10528,7 +10636,7 @@
         </p:blipFill>
         <p:spPr>
           <a:xfrm>
-            <a:off x="9067801" y="2057400"/>
+            <a:off x="7448006" y="1936840"/>
             <a:ext cx="154781" cy="152400"/>
           </a:xfrm>
           <a:prstGeom prst="rect">
@@ -10556,7 +10664,7 @@
         </p:blipFill>
         <p:spPr>
           <a:xfrm>
-            <a:off x="2667001" y="2743200"/>
+            <a:off x="5594033" y="2299063"/>
             <a:ext cx="154781" cy="152400"/>
           </a:xfrm>
           <a:prstGeom prst="rect">
